--- a/it培训/环宇IT开发培训简介.pptx
+++ b/it培训/环宇IT开发培训简介.pptx
@@ -2000,11 +2000,11 @@
   <dgm:cxnLst>
     <dgm:cxn modelId="{E5BEB48B-9E03-4CFE-8AAE-2F7AEB1883BF}" srcId="{1EE26A47-8757-4F8F-93D3-3238C6457348}" destId="{F66B0327-5801-4A2E-9639-A1724D36520F}" srcOrd="0" destOrd="0" parTransId="{0613E683-D477-41F9-AD24-54F2B1CC7E8D}" sibTransId="{581CEB43-759C-4CF2-8DEF-93029824D2ED}"/>
     <dgm:cxn modelId="{130C9274-0016-458B-BF0C-0974806C45E8}" type="presOf" srcId="{1EE26A47-8757-4F8F-93D3-3238C6457348}" destId="{86861747-D4F2-4850-928D-F14A95FFB4E4}" srcOrd="0" destOrd="0" presId="urn:microsoft.com/office/officeart/2008/layout/VerticalAccentList"/>
+    <dgm:cxn modelId="{F1421F40-DC8C-4CA9-82E3-D7C62D7A7F6F}" type="presOf" srcId="{32CC3289-1994-4B6E-B293-3D5D7BF5CF54}" destId="{15E94069-C28D-45F7-9841-263587431E07}" srcOrd="0" destOrd="0" presId="urn:microsoft.com/office/officeart/2008/layout/VerticalAccentList"/>
+    <dgm:cxn modelId="{4763DF6D-ECFC-48B2-ADBF-4532E567D60F}" srcId="{1EE26A47-8757-4F8F-93D3-3238C6457348}" destId="{8884A2E3-B685-4082-96A8-E6AD93AE05C2}" srcOrd="1" destOrd="0" parTransId="{9B64C4B6-3B9A-42FE-BD8C-15D60FE33027}" sibTransId="{9DBF805E-4671-45F9-9BC0-817CC5C51B01}"/>
     <dgm:cxn modelId="{7BD83E49-19ED-492D-A11A-2AD3B3B95863}" type="presOf" srcId="{F66B0327-5801-4A2E-9639-A1724D36520F}" destId="{27EF129F-B7C0-419D-9A28-5C0CEC916E38}" srcOrd="0" destOrd="0" presId="urn:microsoft.com/office/officeart/2008/layout/VerticalAccentList"/>
     <dgm:cxn modelId="{6876D631-268D-47BA-BBEC-20C7F0269ECB}" type="presOf" srcId="{8884A2E3-B685-4082-96A8-E6AD93AE05C2}" destId="{218D9218-1843-4FB1-99E9-F314089D4C54}" srcOrd="0" destOrd="0" presId="urn:microsoft.com/office/officeart/2008/layout/VerticalAccentList"/>
     <dgm:cxn modelId="{A349E01B-EB6F-47E2-926C-D6BF7D133811}" srcId="{1EE26A47-8757-4F8F-93D3-3238C6457348}" destId="{32CC3289-1994-4B6E-B293-3D5D7BF5CF54}" srcOrd="2" destOrd="0" parTransId="{93A491EA-EAD3-4F3A-82B2-5BFE0930A834}" sibTransId="{D3CE9BCF-FE8C-4E9F-A609-129F32421C40}"/>
-    <dgm:cxn modelId="{F1421F40-DC8C-4CA9-82E3-D7C62D7A7F6F}" type="presOf" srcId="{32CC3289-1994-4B6E-B293-3D5D7BF5CF54}" destId="{15E94069-C28D-45F7-9841-263587431E07}" srcOrd="0" destOrd="0" presId="urn:microsoft.com/office/officeart/2008/layout/VerticalAccentList"/>
-    <dgm:cxn modelId="{4763DF6D-ECFC-48B2-ADBF-4532E567D60F}" srcId="{1EE26A47-8757-4F8F-93D3-3238C6457348}" destId="{8884A2E3-B685-4082-96A8-E6AD93AE05C2}" srcOrd="1" destOrd="0" parTransId="{9B64C4B6-3B9A-42FE-BD8C-15D60FE33027}" sibTransId="{9DBF805E-4671-45F9-9BC0-817CC5C51B01}"/>
     <dgm:cxn modelId="{641570BE-AA79-445B-89F6-984BC0C792F1}" type="presParOf" srcId="{86861747-D4F2-4850-928D-F14A95FFB4E4}" destId="{DAA2B9C9-8C53-498D-9B5E-014A7F74F07E}" srcOrd="0" destOrd="0" presId="urn:microsoft.com/office/officeart/2008/layout/VerticalAccentList"/>
     <dgm:cxn modelId="{FBB47699-3D68-4403-9F4E-1C13F9A02CB5}" type="presParOf" srcId="{DAA2B9C9-8C53-498D-9B5E-014A7F74F07E}" destId="{27EF129F-B7C0-419D-9A28-5C0CEC916E38}" srcOrd="0" destOrd="0" presId="urn:microsoft.com/office/officeart/2008/layout/VerticalAccentList"/>
     <dgm:cxn modelId="{C1E1333C-D52F-47A3-9357-D7292ABB8675}" type="presParOf" srcId="{86861747-D4F2-4850-928D-F14A95FFB4E4}" destId="{514C5E42-2162-40F0-A7D6-C04C715680F0}" srcOrd="1" destOrd="0" presId="urn:microsoft.com/office/officeart/2008/layout/VerticalAccentList"/>
@@ -2042,7 +2042,7 @@
   <dgm:whole/>
   <dgm:extLst>
     <a:ext uri="http://schemas.microsoft.com/office/drawing/2008/diagram">
-      <dsp:dataModelExt xmlns:dsp="http://schemas.microsoft.com/office/drawing/2008/diagram" relId="rId6" minVer="http://schemas.openxmlformats.org/drawingml/2006/diagram"/>
+      <dsp:dataModelExt xmlns:dsp="http://schemas.microsoft.com/office/drawing/2008/diagram" xmlns="" relId="rId6" minVer="http://schemas.openxmlformats.org/drawingml/2006/diagram"/>
     </a:ext>
   </dgm:extLst>
 </dgm:dataModel>
@@ -2365,7 +2365,7 @@
           <a:blip xmlns:r="http://schemas.openxmlformats.org/officeDocument/2006/relationships" r:embed="rId1">
             <a:extLst>
               <a:ext uri="{28A0092B-C50C-407E-A947-70E740481C1C}">
-                <a14:useLocalDpi xmlns:a14="http://schemas.microsoft.com/office/drawing/2010/main" val="0"/>
+                <a14:useLocalDpi xmlns:a14="http://schemas.microsoft.com/office/drawing/2010/main" xmlns="" val="0"/>
               </a:ext>
             </a:extLst>
           </a:blip>
@@ -2406,7 +2406,7 @@
           <a:blip xmlns:r="http://schemas.openxmlformats.org/officeDocument/2006/relationships" r:embed="rId1">
             <a:extLst>
               <a:ext uri="{28A0092B-C50C-407E-A947-70E740481C1C}">
-                <a14:useLocalDpi xmlns:a14="http://schemas.microsoft.com/office/drawing/2010/main" val="0"/>
+                <a14:useLocalDpi xmlns:a14="http://schemas.microsoft.com/office/drawing/2010/main" xmlns="" val="0"/>
               </a:ext>
             </a:extLst>
           </a:blip>
@@ -2434,11 +2434,11 @@
     </dgm:pt>
   </dgm:ptLst>
   <dgm:cxnLst>
+    <dgm:cxn modelId="{EE2235AA-F6C9-4B40-AED2-F96C01F4FECE}" type="presOf" srcId="{AA53B6EC-F43C-4814-9BE0-C6863B2A1099}" destId="{50F48DDE-6F31-4BE2-BD53-01005FA12F97}" srcOrd="0" destOrd="0" presId="urn:microsoft.com/office/officeart/2005/8/layout/vList3#1"/>
     <dgm:cxn modelId="{B2356760-85E8-462C-9DC4-7AE3CE594F00}" type="presOf" srcId="{E5A037C5-B3A1-4433-823B-5B51C7B38BFA}" destId="{3B57FC71-AB95-4B06-9F09-5A54CB32C9D7}" srcOrd="0" destOrd="0" presId="urn:microsoft.com/office/officeart/2005/8/layout/vList3#1"/>
-    <dgm:cxn modelId="{EE2235AA-F6C9-4B40-AED2-F96C01F4FECE}" type="presOf" srcId="{AA53B6EC-F43C-4814-9BE0-C6863B2A1099}" destId="{50F48DDE-6F31-4BE2-BD53-01005FA12F97}" srcOrd="0" destOrd="0" presId="urn:microsoft.com/office/officeart/2005/8/layout/vList3#1"/>
     <dgm:cxn modelId="{905DE06D-A6F6-4027-BAF0-B68FEFBE72D9}" type="presOf" srcId="{62F79DBA-4F41-4E99-B263-ABCFDFABDB36}" destId="{63E9263F-3222-4DDC-ACD8-3DFA7EB2BAB5}" srcOrd="0" destOrd="0" presId="urn:microsoft.com/office/officeart/2005/8/layout/vList3#1"/>
+    <dgm:cxn modelId="{60C6FCD8-466C-453F-B6FE-BB9F2E6EDD86}" srcId="{62F79DBA-4F41-4E99-B263-ABCFDFABDB36}" destId="{E5A037C5-B3A1-4433-823B-5B51C7B38BFA}" srcOrd="0" destOrd="0" parTransId="{CF5FB1E4-AF3C-4953-8DB4-DB60562EBC95}" sibTransId="{FDFD65CB-DFEB-40D7-94E7-5E803289C2DD}"/>
     <dgm:cxn modelId="{2E4D1DC4-6FAE-4C84-99F9-CE04C5ECE1CA}" srcId="{62F79DBA-4F41-4E99-B263-ABCFDFABDB36}" destId="{AA53B6EC-F43C-4814-9BE0-C6863B2A1099}" srcOrd="1" destOrd="0" parTransId="{549ACEBA-DC8A-4AF7-BBE7-61AB05110872}" sibTransId="{56A8596B-B3A1-436A-890C-063C3951C5A6}"/>
-    <dgm:cxn modelId="{60C6FCD8-466C-453F-B6FE-BB9F2E6EDD86}" srcId="{62F79DBA-4F41-4E99-B263-ABCFDFABDB36}" destId="{E5A037C5-B3A1-4433-823B-5B51C7B38BFA}" srcOrd="0" destOrd="0" parTransId="{CF5FB1E4-AF3C-4953-8DB4-DB60562EBC95}" sibTransId="{FDFD65CB-DFEB-40D7-94E7-5E803289C2DD}"/>
     <dgm:cxn modelId="{EBE65B18-801F-4D23-8357-9DE22AB8F66D}" type="presParOf" srcId="{63E9263F-3222-4DDC-ACD8-3DFA7EB2BAB5}" destId="{91BCAA56-8D6F-4438-9F77-75FC6251717F}" srcOrd="0" destOrd="0" presId="urn:microsoft.com/office/officeart/2005/8/layout/vList3#1"/>
     <dgm:cxn modelId="{5ECB5169-7AD3-40F2-A9D2-F47D1D471046}" type="presParOf" srcId="{91BCAA56-8D6F-4438-9F77-75FC6251717F}" destId="{738F8939-0158-44E0-AB89-8650AB97D6FB}" srcOrd="0" destOrd="0" presId="urn:microsoft.com/office/officeart/2005/8/layout/vList3#1"/>
     <dgm:cxn modelId="{E142AEB4-828A-40F4-BF15-AA8E00DABE3C}" type="presParOf" srcId="{91BCAA56-8D6F-4438-9F77-75FC6251717F}" destId="{3B57FC71-AB95-4B06-9F09-5A54CB32C9D7}" srcOrd="1" destOrd="0" presId="urn:microsoft.com/office/officeart/2005/8/layout/vList3#1"/>
@@ -2451,7 +2451,7 @@
   <dgm:whole/>
   <dgm:extLst>
     <a:ext uri="http://schemas.microsoft.com/office/drawing/2008/diagram">
-      <dsp:dataModelExt xmlns:dsp="http://schemas.microsoft.com/office/drawing/2008/diagram" relId="rId6" minVer="http://schemas.openxmlformats.org/drawingml/2006/diagram"/>
+      <dsp:dataModelExt xmlns:dsp="http://schemas.microsoft.com/office/drawing/2008/diagram" xmlns="" relId="rId6" minVer="http://schemas.openxmlformats.org/drawingml/2006/diagram"/>
     </a:ext>
   </dgm:extLst>
 </dgm:dataModel>
@@ -7062,14 +7062,14 @@
           </a:ln>
           <a:extLst>
             <a:ext uri="{909E8E84-426E-40DD-AFC4-6F175D3DCCD1}">
-              <a14:hiddenFill xmlns:a14="http://schemas.microsoft.com/office/drawing/2010/main">
+              <a14:hiddenFill xmlns:a14="http://schemas.microsoft.com/office/drawing/2010/main" xmlns="">
                 <a:solidFill>
                   <a:schemeClr val="accent1"/>
                 </a:solidFill>
               </a14:hiddenFill>
             </a:ext>
             <a:ext uri="{91240B29-F687-4F45-9708-019B960494DF}">
-              <a14:hiddenLine xmlns:a14="http://schemas.microsoft.com/office/drawing/2010/main" w="9525">
+              <a14:hiddenLine xmlns:a14="http://schemas.microsoft.com/office/drawing/2010/main" xmlns="" w="9525">
                 <a:solidFill>
                   <a:schemeClr val="tx1"/>
                 </a:solidFill>
@@ -7128,7 +7128,7 @@
           <a:effectLst/>
           <a:extLst>
             <a:ext uri="{AF507438-7753-43E0-B8FC-AC1667EBCBE1}">
-              <a14:hiddenEffects xmlns:a14="http://schemas.microsoft.com/office/drawing/2010/main">
+              <a14:hiddenEffects xmlns:a14="http://schemas.microsoft.com/office/drawing/2010/main" xmlns="">
                 <a:effectLst>
                   <a:outerShdw dist="35921" dir="2700000" algn="ctr" rotWithShape="0">
                     <a:srgbClr val="808080"/>
@@ -7137,7 +7137,7 @@
               </a14:hiddenEffects>
             </a:ext>
             <a:ext uri="{53640926-AAD7-44D8-BBD7-CCE9431645EC}">
-              <a14:shadowObscured xmlns:a14="http://schemas.microsoft.com/office/drawing/2010/main" val="1"/>
+              <a14:shadowObscured xmlns:a14="http://schemas.microsoft.com/office/drawing/2010/main" xmlns="" val="1"/>
             </a:ext>
           </a:extLst>
         </p:spPr>
@@ -7166,14 +7166,14 @@
           </a:ln>
           <a:extLst>
             <a:ext uri="{909E8E84-426E-40DD-AFC4-6F175D3DCCD1}">
-              <a14:hiddenFill xmlns:a14="http://schemas.microsoft.com/office/drawing/2010/main">
+              <a14:hiddenFill xmlns:a14="http://schemas.microsoft.com/office/drawing/2010/main" xmlns="">
                 <a:solidFill>
                   <a:schemeClr val="accent1"/>
                 </a:solidFill>
               </a14:hiddenFill>
             </a:ext>
             <a:ext uri="{91240B29-F687-4F45-9708-019B960494DF}">
-              <a14:hiddenLine xmlns:a14="http://schemas.microsoft.com/office/drawing/2010/main" w="9525">
+              <a14:hiddenLine xmlns:a14="http://schemas.microsoft.com/office/drawing/2010/main" xmlns="" w="9525">
                 <a:solidFill>
                   <a:schemeClr val="tx1"/>
                 </a:solidFill>
@@ -7284,14 +7284,14 @@
           </a:ln>
           <a:extLst>
             <a:ext uri="{909E8E84-426E-40DD-AFC4-6F175D3DCCD1}">
-              <a14:hiddenFill xmlns:a14="http://schemas.microsoft.com/office/drawing/2010/main">
+              <a14:hiddenFill xmlns:a14="http://schemas.microsoft.com/office/drawing/2010/main" xmlns="">
                 <a:solidFill>
                   <a:schemeClr val="accent1"/>
                 </a:solidFill>
               </a14:hiddenFill>
             </a:ext>
             <a:ext uri="{91240B29-F687-4F45-9708-019B960494DF}">
-              <a14:hiddenLine xmlns:a14="http://schemas.microsoft.com/office/drawing/2010/main" w="9525">
+              <a14:hiddenLine xmlns:a14="http://schemas.microsoft.com/office/drawing/2010/main" xmlns="" w="9525">
                 <a:solidFill>
                   <a:schemeClr val="tx1"/>
                 </a:solidFill>
@@ -7344,14 +7344,14 @@
           </a:ln>
           <a:extLst>
             <a:ext uri="{909E8E84-426E-40DD-AFC4-6F175D3DCCD1}">
-              <a14:hiddenFill xmlns:a14="http://schemas.microsoft.com/office/drawing/2010/main">
+              <a14:hiddenFill xmlns:a14="http://schemas.microsoft.com/office/drawing/2010/main" xmlns="">
                 <a:solidFill>
                   <a:schemeClr val="accent1"/>
                 </a:solidFill>
               </a14:hiddenFill>
             </a:ext>
             <a:ext uri="{91240B29-F687-4F45-9708-019B960494DF}">
-              <a14:hiddenLine xmlns:a14="http://schemas.microsoft.com/office/drawing/2010/main" w="9525">
+              <a14:hiddenLine xmlns:a14="http://schemas.microsoft.com/office/drawing/2010/main" xmlns="" w="9525">
                 <a:solidFill>
                   <a:schemeClr val="tx1"/>
                 </a:solidFill>
@@ -7404,14 +7404,14 @@
           </a:ln>
           <a:extLst>
             <a:ext uri="{909E8E84-426E-40DD-AFC4-6F175D3DCCD1}">
-              <a14:hiddenFill xmlns:a14="http://schemas.microsoft.com/office/drawing/2010/main">
+              <a14:hiddenFill xmlns:a14="http://schemas.microsoft.com/office/drawing/2010/main" xmlns="">
                 <a:solidFill>
                   <a:schemeClr val="accent1"/>
                 </a:solidFill>
               </a14:hiddenFill>
             </a:ext>
             <a:ext uri="{91240B29-F687-4F45-9708-019B960494DF}">
-              <a14:hiddenLine xmlns:a14="http://schemas.microsoft.com/office/drawing/2010/main" w="9525">
+              <a14:hiddenLine xmlns:a14="http://schemas.microsoft.com/office/drawing/2010/main" xmlns="" w="9525">
                 <a:solidFill>
                   <a:schemeClr val="tx1"/>
                 </a:solidFill>
@@ -7448,7 +7448,7 @@
     </p:spTree>
     <p:extLst>
       <p:ext uri="{BB962C8B-B14F-4D97-AF65-F5344CB8AC3E}">
-        <p14:creationId xmlns:p14="http://schemas.microsoft.com/office/powerpoint/2010/main" val="3001568234"/>
+        <p14:creationId xmlns:p14="http://schemas.microsoft.com/office/powerpoint/2010/main" xmlns="" val="3001568234"/>
       </p:ext>
     </p:extLst>
   </p:cSld>
@@ -7815,7 +7815,7 @@
     </p:spTree>
     <p:extLst>
       <p:ext uri="{BB962C8B-B14F-4D97-AF65-F5344CB8AC3E}">
-        <p14:creationId xmlns:p14="http://schemas.microsoft.com/office/powerpoint/2010/main" val="4247654126"/>
+        <p14:creationId xmlns:p14="http://schemas.microsoft.com/office/powerpoint/2010/main" xmlns="" val="4247654126"/>
       </p:ext>
     </p:extLst>
   </p:cSld>
@@ -7963,7 +7963,7 @@
     </p:spTree>
     <p:extLst>
       <p:ext uri="{BB962C8B-B14F-4D97-AF65-F5344CB8AC3E}">
-        <p14:creationId xmlns:p14="http://schemas.microsoft.com/office/powerpoint/2010/main" val="3914089631"/>
+        <p14:creationId xmlns:p14="http://schemas.microsoft.com/office/powerpoint/2010/main" xmlns="" val="3914089631"/>
       </p:ext>
     </p:extLst>
   </p:cSld>
@@ -8101,7 +8101,7 @@
     </p:spTree>
     <p:extLst>
       <p:ext uri="{BB962C8B-B14F-4D97-AF65-F5344CB8AC3E}">
-        <p14:creationId xmlns:p14="http://schemas.microsoft.com/office/powerpoint/2010/main" val="1058433384"/>
+        <p14:creationId xmlns:p14="http://schemas.microsoft.com/office/powerpoint/2010/main" xmlns="" val="1058433384"/>
       </p:ext>
     </p:extLst>
   </p:cSld>
@@ -8229,7 +8229,7 @@
     </p:spTree>
     <p:extLst>
       <p:ext uri="{BB962C8B-B14F-4D97-AF65-F5344CB8AC3E}">
-        <p14:creationId xmlns:p14="http://schemas.microsoft.com/office/powerpoint/2010/main" val="3683914965"/>
+        <p14:creationId xmlns:p14="http://schemas.microsoft.com/office/powerpoint/2010/main" xmlns="" val="3683914965"/>
       </p:ext>
     </p:extLst>
   </p:cSld>
@@ -8517,7 +8517,7 @@
     </p:spTree>
     <p:extLst>
       <p:ext uri="{BB962C8B-B14F-4D97-AF65-F5344CB8AC3E}">
-        <p14:creationId xmlns:p14="http://schemas.microsoft.com/office/powerpoint/2010/main" val="1688867932"/>
+        <p14:creationId xmlns:p14="http://schemas.microsoft.com/office/powerpoint/2010/main" xmlns="" val="1688867932"/>
       </p:ext>
     </p:extLst>
   </p:cSld>
@@ -8944,7 +8944,7 @@
     </p:spTree>
     <p:extLst>
       <p:ext uri="{BB962C8B-B14F-4D97-AF65-F5344CB8AC3E}">
-        <p14:creationId xmlns:p14="http://schemas.microsoft.com/office/powerpoint/2010/main" val="3091454421"/>
+        <p14:creationId xmlns:p14="http://schemas.microsoft.com/office/powerpoint/2010/main" xmlns="" val="3091454421"/>
       </p:ext>
     </p:extLst>
   </p:cSld>
@@ -8998,7 +8998,7 @@
     </p:spTree>
     <p:extLst>
       <p:ext uri="{BB962C8B-B14F-4D97-AF65-F5344CB8AC3E}">
-        <p14:creationId xmlns:p14="http://schemas.microsoft.com/office/powerpoint/2010/main" val="1709739791"/>
+        <p14:creationId xmlns:p14="http://schemas.microsoft.com/office/powerpoint/2010/main" xmlns="" val="1709739791"/>
       </p:ext>
     </p:extLst>
   </p:cSld>
@@ -9029,7 +9029,7 @@
     </p:spTree>
     <p:extLst>
       <p:ext uri="{BB962C8B-B14F-4D97-AF65-F5344CB8AC3E}">
-        <p14:creationId xmlns:p14="http://schemas.microsoft.com/office/powerpoint/2010/main" val="208619746"/>
+        <p14:creationId xmlns:p14="http://schemas.microsoft.com/office/powerpoint/2010/main" xmlns="" val="208619746"/>
       </p:ext>
     </p:extLst>
   </p:cSld>
@@ -9274,7 +9274,7 @@
     </p:spTree>
     <p:extLst>
       <p:ext uri="{BB962C8B-B14F-4D97-AF65-F5344CB8AC3E}">
-        <p14:creationId xmlns:p14="http://schemas.microsoft.com/office/powerpoint/2010/main" val="1201940715"/>
+        <p14:creationId xmlns:p14="http://schemas.microsoft.com/office/powerpoint/2010/main" xmlns="" val="1201940715"/>
       </p:ext>
     </p:extLst>
   </p:cSld>
@@ -9467,7 +9467,7 @@
     </p:spTree>
     <p:extLst>
       <p:ext uri="{BB962C8B-B14F-4D97-AF65-F5344CB8AC3E}">
-        <p14:creationId xmlns:p14="http://schemas.microsoft.com/office/powerpoint/2010/main" val="2895571190"/>
+        <p14:creationId xmlns:p14="http://schemas.microsoft.com/office/powerpoint/2010/main" xmlns="" val="2895571190"/>
       </p:ext>
     </p:extLst>
   </p:cSld>
@@ -9532,14 +9532,14 @@
           <a:effectLst/>
           <a:extLst>
             <a:ext uri="{909E8E84-426E-40DD-AFC4-6F175D3DCCD1}">
-              <a14:hiddenFill xmlns:a14="http://schemas.microsoft.com/office/drawing/2010/main">
+              <a14:hiddenFill xmlns:a14="http://schemas.microsoft.com/office/drawing/2010/main" xmlns="">
                 <a:solidFill>
                   <a:schemeClr val="accent1"/>
                 </a:solidFill>
               </a14:hiddenFill>
             </a:ext>
             <a:ext uri="{91240B29-F687-4F45-9708-019B960494DF}">
-              <a14:hiddenLine xmlns:a14="http://schemas.microsoft.com/office/drawing/2010/main" w="9525">
+              <a14:hiddenLine xmlns:a14="http://schemas.microsoft.com/office/drawing/2010/main" xmlns="" w="9525">
                 <a:solidFill>
                   <a:schemeClr val="tx1"/>
                 </a:solidFill>
@@ -9549,7 +9549,7 @@
               </a14:hiddenLine>
             </a:ext>
             <a:ext uri="{AF507438-7753-43E0-B8FC-AC1667EBCBE1}">
-              <a14:hiddenEffects xmlns:a14="http://schemas.microsoft.com/office/drawing/2010/main">
+              <a14:hiddenEffects xmlns:a14="http://schemas.microsoft.com/office/drawing/2010/main" xmlns="">
                 <a:effectLst>
                   <a:outerShdw dist="35921" dir="2700000" algn="ctr" rotWithShape="0">
                     <a:schemeClr val="bg2"/>
@@ -9660,14 +9660,14 @@
           <a:effectLst/>
           <a:extLst>
             <a:ext uri="{909E8E84-426E-40DD-AFC4-6F175D3DCCD1}">
-              <a14:hiddenFill xmlns:a14="http://schemas.microsoft.com/office/drawing/2010/main">
+              <a14:hiddenFill xmlns:a14="http://schemas.microsoft.com/office/drawing/2010/main" xmlns="">
                 <a:solidFill>
                   <a:schemeClr val="accent1"/>
                 </a:solidFill>
               </a14:hiddenFill>
             </a:ext>
             <a:ext uri="{91240B29-F687-4F45-9708-019B960494DF}">
-              <a14:hiddenLine xmlns:a14="http://schemas.microsoft.com/office/drawing/2010/main" w="9525">
+              <a14:hiddenLine xmlns:a14="http://schemas.microsoft.com/office/drawing/2010/main" xmlns="" w="9525">
                 <a:solidFill>
                   <a:schemeClr val="tx1"/>
                 </a:solidFill>
@@ -9677,7 +9677,7 @@
               </a14:hiddenLine>
             </a:ext>
             <a:ext uri="{AF507438-7753-43E0-B8FC-AC1667EBCBE1}">
-              <a14:hiddenEffects xmlns:a14="http://schemas.microsoft.com/office/drawing/2010/main">
+              <a14:hiddenEffects xmlns:a14="http://schemas.microsoft.com/office/drawing/2010/main" xmlns="">
                 <a:effectLst>
                   <a:outerShdw dist="35921" dir="2700000" algn="ctr" rotWithShape="0">
                     <a:schemeClr val="bg2"/>
@@ -10632,19 +10632,7 @@
                 <a:latin typeface="DFKai-SB" panose="03000509000000000000" pitchFamily="65" charset="-120"/>
                 <a:ea typeface="DFKai-SB" panose="03000509000000000000" pitchFamily="65" charset="-120"/>
               </a:rPr>
-              <a:t>有</a:t>
-            </a:r>
-            <a:r>
-              <a:rPr lang="zh-CN" altLang="en-US" dirty="0" smtClean="0">
-                <a:solidFill>
-                  <a:schemeClr val="bg2">
-                    <a:lumMod val="50000"/>
-                  </a:schemeClr>
-                </a:solidFill>
-                <a:latin typeface="DFKai-SB" panose="03000509000000000000" pitchFamily="65" charset="-120"/>
-                <a:ea typeface="DFKai-SB" panose="03000509000000000000" pitchFamily="65" charset="-120"/>
-              </a:rPr>
-              <a:t>一定技术门槛，如果技术跟不上就会被淘汰</a:t>
+              <a:t>有一定技术门槛，如果技术跟不上就会被淘汰</a:t>
             </a:r>
             <a:endParaRPr lang="en-US" altLang="zh-CN" dirty="0">
               <a:solidFill>
@@ -11092,14 +11080,14 @@
           <a:effectLst/>
           <a:extLst>
             <a:ext uri="{909E8E84-426E-40DD-AFC4-6F175D3DCCD1}">
-              <a14:hiddenFill xmlns:a14="http://schemas.microsoft.com/office/drawing/2010/main">
+              <a14:hiddenFill xmlns:a14="http://schemas.microsoft.com/office/drawing/2010/main" xmlns="">
                 <a:solidFill>
                   <a:schemeClr val="accent1"/>
                 </a:solidFill>
               </a14:hiddenFill>
             </a:ext>
             <a:ext uri="{AF507438-7753-43E0-B8FC-AC1667EBCBE1}">
-              <a14:hiddenEffects xmlns:a14="http://schemas.microsoft.com/office/drawing/2010/main">
+              <a14:hiddenEffects xmlns:a14="http://schemas.microsoft.com/office/drawing/2010/main" xmlns="">
                 <a:effectLst>
                   <a:outerShdw dist="35921" dir="2700000" algn="ctr" rotWithShape="0">
                     <a:schemeClr val="bg2"/>
@@ -11534,7 +11522,28 @@
                 <a:latin typeface="黑体" panose="02010609060101010101" pitchFamily="49" charset="-122"/>
                 <a:ea typeface="黑体" panose="02010609060101010101" pitchFamily="49" charset="-122"/>
               </a:rPr>
-              <a:t>计算机网络通信，数据结构</a:t>
+              <a:t>计算机网络通信</a:t>
+            </a:r>
+            <a:r>
+              <a:rPr lang="zh-CN" altLang="en-US" dirty="0" smtClean="0">
+                <a:latin typeface="黑体" panose="02010609060101010101" pitchFamily="49" charset="-122"/>
+                <a:ea typeface="黑体" panose="02010609060101010101" pitchFamily="49" charset="-122"/>
+              </a:rPr>
+              <a:t>，</a:t>
+            </a:r>
+            <a:r>
+              <a:rPr lang="zh-CN" altLang="en-US" smtClean="0">
+                <a:latin typeface="黑体" panose="02010609060101010101" pitchFamily="49" charset="-122"/>
+                <a:ea typeface="黑体" panose="02010609060101010101" pitchFamily="49" charset="-122"/>
+              </a:rPr>
+              <a:t>多</a:t>
+            </a:r>
+            <a:r>
+              <a:rPr lang="zh-CN" altLang="en-US" smtClean="0">
+                <a:latin typeface="黑体" panose="02010609060101010101" pitchFamily="49" charset="-122"/>
+                <a:ea typeface="黑体" panose="02010609060101010101" pitchFamily="49" charset="-122"/>
+              </a:rPr>
+              <a:t>线程，数据结构</a:t>
             </a:r>
             <a:r>
               <a:rPr lang="zh-CN" altLang="en-US" dirty="0">
@@ -11548,7 +11557,28 @@
                 <a:latin typeface="黑体" panose="02010609060101010101" pitchFamily="49" charset="-122"/>
                 <a:ea typeface="黑体" panose="02010609060101010101" pitchFamily="49" charset="-122"/>
               </a:rPr>
-              <a:t>，面向对象设计模式，多线程等等，学好这些才是最重要的</a:t>
+              <a:t>，面向对象设计</a:t>
+            </a:r>
+            <a:r>
+              <a:rPr lang="zh-CN" altLang="en-US" smtClean="0">
+                <a:latin typeface="黑体" panose="02010609060101010101" pitchFamily="49" charset="-122"/>
+                <a:ea typeface="黑体" panose="02010609060101010101" pitchFamily="49" charset="-122"/>
+              </a:rPr>
+              <a:t>模式</a:t>
+            </a:r>
+            <a:r>
+              <a:rPr lang="zh-CN" altLang="en-US" smtClean="0">
+                <a:latin typeface="黑体" panose="02010609060101010101" pitchFamily="49" charset="-122"/>
+                <a:ea typeface="黑体" panose="02010609060101010101" pitchFamily="49" charset="-122"/>
+              </a:rPr>
+              <a:t>，等等</a:t>
+            </a:r>
+            <a:r>
+              <a:rPr lang="zh-CN" altLang="en-US" dirty="0" smtClean="0">
+                <a:latin typeface="黑体" panose="02010609060101010101" pitchFamily="49" charset="-122"/>
+                <a:ea typeface="黑体" panose="02010609060101010101" pitchFamily="49" charset="-122"/>
+              </a:rPr>
+              <a:t>，学好这些才是最重要的</a:t>
             </a:r>
             <a:endParaRPr lang="zh-CN" altLang="en-US" dirty="0">
               <a:latin typeface="黑体" panose="02010609060101010101" pitchFamily="49" charset="-122"/>
@@ -11560,7 +11590,7 @@
     </p:spTree>
     <p:extLst>
       <p:ext uri="{BB962C8B-B14F-4D97-AF65-F5344CB8AC3E}">
-        <p14:creationId xmlns:p14="http://schemas.microsoft.com/office/powerpoint/2010/main" val="1518858692"/>
+        <p14:creationId xmlns:p14="http://schemas.microsoft.com/office/powerpoint/2010/main" xmlns="" val="1518858692"/>
       </p:ext>
     </p:extLst>
   </p:cSld>
@@ -11636,7 +11666,7 @@
           <p:nvPr>
             <p:extLst>
               <p:ext uri="{D42A27DB-BD31-4B8C-83A1-F6EECF244321}">
-                <p14:modId xmlns:p14="http://schemas.microsoft.com/office/powerpoint/2010/main" val="3487094351"/>
+                <p14:modId xmlns:p14="http://schemas.microsoft.com/office/powerpoint/2010/main" xmlns="" val="3487094351"/>
               </p:ext>
             </p:extLst>
           </p:nvPr>
@@ -13237,7 +13267,7 @@
     </p:spTree>
     <p:extLst>
       <p:ext uri="{BB962C8B-B14F-4D97-AF65-F5344CB8AC3E}">
-        <p14:creationId xmlns:p14="http://schemas.microsoft.com/office/powerpoint/2010/main" val="2962440247"/>
+        <p14:creationId xmlns:p14="http://schemas.microsoft.com/office/powerpoint/2010/main" xmlns="" val="2962440247"/>
       </p:ext>
     </p:extLst>
   </p:cSld>
@@ -14532,7 +14562,7 @@
           <p:nvPr>
             <p:extLst>
               <p:ext uri="{D42A27DB-BD31-4B8C-83A1-F6EECF244321}">
-                <p14:modId xmlns:p14="http://schemas.microsoft.com/office/powerpoint/2010/main" val="3394503624"/>
+                <p14:modId xmlns:p14="http://schemas.microsoft.com/office/powerpoint/2010/main" xmlns="" val="3394503624"/>
               </p:ext>
             </p:extLst>
           </p:nvPr>
@@ -14550,7 +14580,7 @@
     </p:spTree>
     <p:extLst>
       <p:ext uri="{BB962C8B-B14F-4D97-AF65-F5344CB8AC3E}">
-        <p14:creationId xmlns:p14="http://schemas.microsoft.com/office/powerpoint/2010/main" val="1172025170"/>
+        <p14:creationId xmlns:p14="http://schemas.microsoft.com/office/powerpoint/2010/main" xmlns="" val="1172025170"/>
       </p:ext>
     </p:extLst>
   </p:cSld>
@@ -18437,14 +18467,7 @@
                 <a:latin typeface="DFKai-SB" panose="03000509000000000000" pitchFamily="65" charset="-120"/>
                 <a:ea typeface="DFKai-SB" panose="03000509000000000000" pitchFamily="65" charset="-120"/>
               </a:rPr>
-              <a:t>什么情况下可以考虑</a:t>
-            </a:r>
-            <a:r>
-              <a:rPr lang="zh-CN" altLang="en-US" dirty="0" smtClean="0">
-                <a:latin typeface="DFKai-SB" panose="03000509000000000000" pitchFamily="65" charset="-120"/>
-                <a:ea typeface="DFKai-SB" panose="03000509000000000000" pitchFamily="65" charset="-120"/>
-              </a:rPr>
-              <a:t>转行</a:t>
+              <a:t>什么情况下可以考虑转行</a:t>
             </a:r>
             <a:r>
               <a:rPr lang="en-US" altLang="zh-CN" dirty="0" smtClean="0">
@@ -19396,7 +19419,7 @@
     </p:spTree>
     <p:extLst>
       <p:ext uri="{BB962C8B-B14F-4D97-AF65-F5344CB8AC3E}">
-        <p14:creationId xmlns:p14="http://schemas.microsoft.com/office/powerpoint/2010/main" val="3107653997"/>
+        <p14:creationId xmlns:p14="http://schemas.microsoft.com/office/powerpoint/2010/main" xmlns="" val="3107653997"/>
       </p:ext>
     </p:extLst>
   </p:cSld>
@@ -19747,7 +19770,7 @@
     </p:spTree>
     <p:extLst>
       <p:ext uri="{BB962C8B-B14F-4D97-AF65-F5344CB8AC3E}">
-        <p14:creationId xmlns:p14="http://schemas.microsoft.com/office/powerpoint/2010/main" val="2107609755"/>
+        <p14:creationId xmlns:p14="http://schemas.microsoft.com/office/powerpoint/2010/main" xmlns="" val="2107609755"/>
       </p:ext>
     </p:extLst>
   </p:cSld>
@@ -20038,7 +20061,7 @@
     </p:spTree>
     <p:extLst>
       <p:ext uri="{BB962C8B-B14F-4D97-AF65-F5344CB8AC3E}">
-        <p14:creationId xmlns:p14="http://schemas.microsoft.com/office/powerpoint/2010/main" val="380726262"/>
+        <p14:creationId xmlns:p14="http://schemas.microsoft.com/office/powerpoint/2010/main" xmlns="" val="380726262"/>
       </p:ext>
     </p:extLst>
   </p:cSld>
@@ -20444,7 +20467,7 @@
     </p:spTree>
     <p:extLst>
       <p:ext uri="{BB962C8B-B14F-4D97-AF65-F5344CB8AC3E}">
-        <p14:creationId xmlns:p14="http://schemas.microsoft.com/office/powerpoint/2010/main" val="260142944"/>
+        <p14:creationId xmlns:p14="http://schemas.microsoft.com/office/powerpoint/2010/main" xmlns="" val="260142944"/>
       </p:ext>
     </p:extLst>
   </p:cSld>
@@ -20790,7 +20813,7 @@
     </p:spTree>
     <p:extLst>
       <p:ext uri="{BB962C8B-B14F-4D97-AF65-F5344CB8AC3E}">
-        <p14:creationId xmlns:p14="http://schemas.microsoft.com/office/powerpoint/2010/main" val="228254223"/>
+        <p14:creationId xmlns:p14="http://schemas.microsoft.com/office/powerpoint/2010/main" xmlns="" val="228254223"/>
       </p:ext>
     </p:extLst>
   </p:cSld>
@@ -21066,7 +21089,7 @@
         <a:effectLst/>
         <a:extLst>
           <a:ext uri="{AF507438-7753-43E0-B8FC-AC1667EBCBE1}">
-            <a14:hiddenEffects xmlns:a14="http://schemas.microsoft.com/office/drawing/2010/main">
+            <a14:hiddenEffects xmlns:a14="http://schemas.microsoft.com/office/drawing/2010/main" xmlns="">
               <a:effectLst>
                 <a:outerShdw dist="35921" dir="2700000" algn="ctr" rotWithShape="0">
                   <a:schemeClr val="bg2"/>
@@ -21139,7 +21162,7 @@
         <a:effectLst/>
         <a:extLst>
           <a:ext uri="{AF507438-7753-43E0-B8FC-AC1667EBCBE1}">
-            <a14:hiddenEffects xmlns:a14="http://schemas.microsoft.com/office/drawing/2010/main">
+            <a14:hiddenEffects xmlns:a14="http://schemas.microsoft.com/office/drawing/2010/main" xmlns="">
               <a:effectLst>
                 <a:outerShdw dist="35921" dir="2700000" algn="ctr" rotWithShape="0">
                   <a:schemeClr val="bg2"/>
